--- a/Documents/Mobot Software Design Specification.pptx
+++ b/Documents/Mobot Software Design Specification.pptx
@@ -275,7 +275,7 @@
           </a:lstStyle>
           <a:p>
             <a:r>
-              <a:rPr lang="en-US" smtClean="0"/>
+              <a:rPr lang="en-US"/>
               <a:t>Click to edit Master title style</a:t>
             </a:r>
             <a:endParaRPr lang="en-US" dirty="0"/>
@@ -347,7 +347,7 @@
           </a:lstStyle>
           <a:p>
             <a:r>
-              <a:rPr lang="en-US" smtClean="0"/>
+              <a:rPr lang="en-US"/>
               <a:t>Click to edit Master subtitle style</a:t>
             </a:r>
             <a:endParaRPr lang="en-US" dirty="0"/>
@@ -371,7 +371,7 @@
           <a:p>
             <a:fld id="{48A87A34-81AB-432B-8DAE-1953F412C126}" type="datetimeFigureOut">
               <a:rPr lang="en-US" smtClean="0"/>
-              <a:t>3/6/2018</a:t>
+              <a:t>3/25/2018</a:t>
             </a:fld>
             <a:endParaRPr lang="en-US" dirty="0"/>
           </a:p>
@@ -503,7 +503,7 @@
           <a:lstStyle/>
           <a:p>
             <a:r>
-              <a:rPr lang="en-US" smtClean="0"/>
+              <a:rPr lang="en-US"/>
               <a:t>Click to edit Master title style</a:t>
             </a:r>
             <a:endParaRPr lang="en-US" dirty="0"/>
@@ -527,35 +527,35 @@
           <a:p>
             <a:pPr lvl="0"/>
             <a:r>
-              <a:rPr lang="en-US" smtClean="0"/>
+              <a:rPr lang="en-US"/>
               <a:t>Click to edit Master text styles</a:t>
             </a:r>
           </a:p>
           <a:p>
             <a:pPr lvl="1"/>
             <a:r>
-              <a:rPr lang="en-US" smtClean="0"/>
+              <a:rPr lang="en-US"/>
               <a:t>Second level</a:t>
             </a:r>
           </a:p>
           <a:p>
             <a:pPr lvl="2"/>
             <a:r>
-              <a:rPr lang="en-US" smtClean="0"/>
+              <a:rPr lang="en-US"/>
               <a:t>Third level</a:t>
             </a:r>
           </a:p>
           <a:p>
             <a:pPr lvl="3"/>
             <a:r>
-              <a:rPr lang="en-US" smtClean="0"/>
+              <a:rPr lang="en-US"/>
               <a:t>Fourth level</a:t>
             </a:r>
           </a:p>
           <a:p>
             <a:pPr lvl="4"/>
             <a:r>
-              <a:rPr lang="en-US" smtClean="0"/>
+              <a:rPr lang="en-US"/>
               <a:t>Fifth level</a:t>
             </a:r>
             <a:endParaRPr lang="en-US" dirty="0"/>
@@ -579,7 +579,7 @@
           <a:p>
             <a:fld id="{48A87A34-81AB-432B-8DAE-1953F412C126}" type="datetimeFigureOut">
               <a:rPr lang="en-US" smtClean="0"/>
-              <a:t>3/6/2018</a:t>
+              <a:t>3/25/2018</a:t>
             </a:fld>
             <a:endParaRPr lang="en-US" dirty="0"/>
           </a:p>
@@ -754,7 +754,7 @@
           <a:lstStyle/>
           <a:p>
             <a:r>
-              <a:rPr lang="en-US" smtClean="0"/>
+              <a:rPr lang="en-US"/>
               <a:t>Click to edit Master title style</a:t>
             </a:r>
             <a:endParaRPr lang="en-US" dirty="0"/>
@@ -783,35 +783,35 @@
           <a:p>
             <a:pPr lvl="0"/>
             <a:r>
-              <a:rPr lang="en-US" smtClean="0"/>
+              <a:rPr lang="en-US"/>
               <a:t>Click to edit Master text styles</a:t>
             </a:r>
           </a:p>
           <a:p>
             <a:pPr lvl="1"/>
             <a:r>
-              <a:rPr lang="en-US" smtClean="0"/>
+              <a:rPr lang="en-US"/>
               <a:t>Second level</a:t>
             </a:r>
           </a:p>
           <a:p>
             <a:pPr lvl="2"/>
             <a:r>
-              <a:rPr lang="en-US" smtClean="0"/>
+              <a:rPr lang="en-US"/>
               <a:t>Third level</a:t>
             </a:r>
           </a:p>
           <a:p>
             <a:pPr lvl="3"/>
             <a:r>
-              <a:rPr lang="en-US" smtClean="0"/>
+              <a:rPr lang="en-US"/>
               <a:t>Fourth level</a:t>
             </a:r>
           </a:p>
           <a:p>
             <a:pPr lvl="4"/>
             <a:r>
-              <a:rPr lang="en-US" smtClean="0"/>
+              <a:rPr lang="en-US"/>
               <a:t>Fifth level</a:t>
             </a:r>
             <a:endParaRPr lang="en-US" dirty="0"/>
@@ -835,7 +835,7 @@
           <a:p>
             <a:fld id="{48A87A34-81AB-432B-8DAE-1953F412C126}" type="datetimeFigureOut">
               <a:rPr lang="en-US" smtClean="0"/>
-              <a:t>3/6/2018</a:t>
+              <a:t>3/25/2018</a:t>
             </a:fld>
             <a:endParaRPr lang="en-US" dirty="0"/>
           </a:p>
@@ -933,7 +933,7 @@
           </a:lstStyle>
           <a:p>
             <a:r>
-              <a:rPr lang="en-US" smtClean="0"/>
+              <a:rPr lang="en-US"/>
               <a:t>Click to edit Master title style</a:t>
             </a:r>
             <a:endParaRPr lang="en-US" dirty="0"/>
@@ -957,35 +957,35 @@
           <a:p>
             <a:pPr lvl="0"/>
             <a:r>
-              <a:rPr lang="en-US" smtClean="0"/>
+              <a:rPr lang="en-US"/>
               <a:t>Click to edit Master text styles</a:t>
             </a:r>
           </a:p>
           <a:p>
             <a:pPr lvl="1"/>
             <a:r>
-              <a:rPr lang="en-US" smtClean="0"/>
+              <a:rPr lang="en-US"/>
               <a:t>Second level</a:t>
             </a:r>
           </a:p>
           <a:p>
             <a:pPr lvl="2"/>
             <a:r>
-              <a:rPr lang="en-US" smtClean="0"/>
+              <a:rPr lang="en-US"/>
               <a:t>Third level</a:t>
             </a:r>
           </a:p>
           <a:p>
             <a:pPr lvl="3"/>
             <a:r>
-              <a:rPr lang="en-US" smtClean="0"/>
+              <a:rPr lang="en-US"/>
               <a:t>Fourth level</a:t>
             </a:r>
           </a:p>
           <a:p>
             <a:pPr lvl="4"/>
             <a:r>
-              <a:rPr lang="en-US" smtClean="0"/>
+              <a:rPr lang="en-US"/>
               <a:t>Fifth level</a:t>
             </a:r>
             <a:endParaRPr lang="en-US" dirty="0"/>
@@ -1009,7 +1009,7 @@
           <a:p>
             <a:fld id="{48A87A34-81AB-432B-8DAE-1953F412C126}" type="datetimeFigureOut">
               <a:rPr lang="en-US" smtClean="0"/>
-              <a:t>3/6/2018</a:t>
+              <a:t>3/25/2018</a:t>
             </a:fld>
             <a:endParaRPr lang="en-US" dirty="0"/>
           </a:p>
@@ -1208,7 +1208,7 @@
           </a:lstStyle>
           <a:p>
             <a:r>
-              <a:rPr lang="en-US" smtClean="0"/>
+              <a:rPr lang="en-US"/>
               <a:t>Click to edit Master title style</a:t>
             </a:r>
             <a:endParaRPr lang="en-US" dirty="0"/>
@@ -1329,7 +1329,7 @@
           <a:p>
             <a:pPr lvl="0"/>
             <a:r>
-              <a:rPr lang="en-US" smtClean="0"/>
+              <a:rPr lang="en-US"/>
               <a:t>Click to edit Master text styles</a:t>
             </a:r>
           </a:p>
@@ -1352,7 +1352,7 @@
           <a:p>
             <a:fld id="{48A87A34-81AB-432B-8DAE-1953F412C126}" type="datetimeFigureOut">
               <a:rPr lang="en-US" smtClean="0"/>
-              <a:t>3/6/2018</a:t>
+              <a:t>3/25/2018</a:t>
             </a:fld>
             <a:endParaRPr lang="en-US" dirty="0"/>
           </a:p>
@@ -1489,7 +1489,7 @@
           <a:lstStyle/>
           <a:p>
             <a:r>
-              <a:rPr lang="en-US" smtClean="0"/>
+              <a:rPr lang="en-US"/>
               <a:t>Click to edit Master title style</a:t>
             </a:r>
             <a:endParaRPr lang="en-US" dirty="0"/>
@@ -1518,35 +1518,35 @@
           <a:p>
             <a:pPr lvl="0"/>
             <a:r>
-              <a:rPr lang="en-US" smtClean="0"/>
+              <a:rPr lang="en-US"/>
               <a:t>Click to edit Master text styles</a:t>
             </a:r>
           </a:p>
           <a:p>
             <a:pPr lvl="1"/>
             <a:r>
-              <a:rPr lang="en-US" smtClean="0"/>
+              <a:rPr lang="en-US"/>
               <a:t>Second level</a:t>
             </a:r>
           </a:p>
           <a:p>
             <a:pPr lvl="2"/>
             <a:r>
-              <a:rPr lang="en-US" smtClean="0"/>
+              <a:rPr lang="en-US"/>
               <a:t>Third level</a:t>
             </a:r>
           </a:p>
           <a:p>
             <a:pPr lvl="3"/>
             <a:r>
-              <a:rPr lang="en-US" smtClean="0"/>
+              <a:rPr lang="en-US"/>
               <a:t>Fourth level</a:t>
             </a:r>
           </a:p>
           <a:p>
             <a:pPr lvl="4"/>
             <a:r>
-              <a:rPr lang="en-US" smtClean="0"/>
+              <a:rPr lang="en-US"/>
               <a:t>Fifth level</a:t>
             </a:r>
             <a:endParaRPr lang="en-US" dirty="0"/>
@@ -1575,35 +1575,35 @@
           <a:p>
             <a:pPr lvl="0"/>
             <a:r>
-              <a:rPr lang="en-US" smtClean="0"/>
+              <a:rPr lang="en-US"/>
               <a:t>Click to edit Master text styles</a:t>
             </a:r>
           </a:p>
           <a:p>
             <a:pPr lvl="1"/>
             <a:r>
-              <a:rPr lang="en-US" smtClean="0"/>
+              <a:rPr lang="en-US"/>
               <a:t>Second level</a:t>
             </a:r>
           </a:p>
           <a:p>
             <a:pPr lvl="2"/>
             <a:r>
-              <a:rPr lang="en-US" smtClean="0"/>
+              <a:rPr lang="en-US"/>
               <a:t>Third level</a:t>
             </a:r>
           </a:p>
           <a:p>
             <a:pPr lvl="3"/>
             <a:r>
-              <a:rPr lang="en-US" smtClean="0"/>
+              <a:rPr lang="en-US"/>
               <a:t>Fourth level</a:t>
             </a:r>
           </a:p>
           <a:p>
             <a:pPr lvl="4"/>
             <a:r>
-              <a:rPr lang="en-US" smtClean="0"/>
+              <a:rPr lang="en-US"/>
               <a:t>Fifth level</a:t>
             </a:r>
             <a:endParaRPr lang="en-US" dirty="0"/>
@@ -1627,7 +1627,7 @@
           <a:p>
             <a:fld id="{48A87A34-81AB-432B-8DAE-1953F412C126}" type="datetimeFigureOut">
               <a:rPr lang="en-US" smtClean="0"/>
-              <a:t>3/6/2018</a:t>
+              <a:t>3/25/2018</a:t>
             </a:fld>
             <a:endParaRPr lang="en-US" dirty="0"/>
           </a:p>
@@ -1726,7 +1726,7 @@
           <a:lstStyle/>
           <a:p>
             <a:r>
-              <a:rPr lang="en-US" smtClean="0"/>
+              <a:rPr lang="en-US"/>
               <a:t>Click to edit Master title style</a:t>
             </a:r>
             <a:endParaRPr lang="en-US" dirty="0"/>
@@ -1798,7 +1798,7 @@
           <a:p>
             <a:pPr lvl="0"/>
             <a:r>
-              <a:rPr lang="en-US" smtClean="0"/>
+              <a:rPr lang="en-US"/>
               <a:t>Click to edit Master text styles</a:t>
             </a:r>
           </a:p>
@@ -1826,35 +1826,35 @@
           <a:p>
             <a:pPr lvl="0"/>
             <a:r>
-              <a:rPr lang="en-US" smtClean="0"/>
+              <a:rPr lang="en-US"/>
               <a:t>Click to edit Master text styles</a:t>
             </a:r>
           </a:p>
           <a:p>
             <a:pPr lvl="1"/>
             <a:r>
-              <a:rPr lang="en-US" smtClean="0"/>
+              <a:rPr lang="en-US"/>
               <a:t>Second level</a:t>
             </a:r>
           </a:p>
           <a:p>
             <a:pPr lvl="2"/>
             <a:r>
-              <a:rPr lang="en-US" smtClean="0"/>
+              <a:rPr lang="en-US"/>
               <a:t>Third level</a:t>
             </a:r>
           </a:p>
           <a:p>
             <a:pPr lvl="3"/>
             <a:r>
-              <a:rPr lang="en-US" smtClean="0"/>
+              <a:rPr lang="en-US"/>
               <a:t>Fourth level</a:t>
             </a:r>
           </a:p>
           <a:p>
             <a:pPr lvl="4"/>
             <a:r>
-              <a:rPr lang="en-US" smtClean="0"/>
+              <a:rPr lang="en-US"/>
               <a:t>Fifth level</a:t>
             </a:r>
             <a:endParaRPr lang="en-US" dirty="0"/>
@@ -1926,7 +1926,7 @@
           <a:p>
             <a:pPr lvl="0"/>
             <a:r>
-              <a:rPr lang="en-US" smtClean="0"/>
+              <a:rPr lang="en-US"/>
               <a:t>Click to edit Master text styles</a:t>
             </a:r>
           </a:p>
@@ -1954,35 +1954,35 @@
           <a:p>
             <a:pPr lvl="0"/>
             <a:r>
-              <a:rPr lang="en-US" smtClean="0"/>
+              <a:rPr lang="en-US"/>
               <a:t>Click to edit Master text styles</a:t>
             </a:r>
           </a:p>
           <a:p>
             <a:pPr lvl="1"/>
             <a:r>
-              <a:rPr lang="en-US" smtClean="0"/>
+              <a:rPr lang="en-US"/>
               <a:t>Second level</a:t>
             </a:r>
           </a:p>
           <a:p>
             <a:pPr lvl="2"/>
             <a:r>
-              <a:rPr lang="en-US" smtClean="0"/>
+              <a:rPr lang="en-US"/>
               <a:t>Third level</a:t>
             </a:r>
           </a:p>
           <a:p>
             <a:pPr lvl="3"/>
             <a:r>
-              <a:rPr lang="en-US" smtClean="0"/>
+              <a:rPr lang="en-US"/>
               <a:t>Fourth level</a:t>
             </a:r>
           </a:p>
           <a:p>
             <a:pPr lvl="4"/>
             <a:r>
-              <a:rPr lang="en-US" smtClean="0"/>
+              <a:rPr lang="en-US"/>
               <a:t>Fifth level</a:t>
             </a:r>
             <a:endParaRPr lang="en-US" dirty="0"/>
@@ -2006,7 +2006,7 @@
           <a:p>
             <a:fld id="{48A87A34-81AB-432B-8DAE-1953F412C126}" type="datetimeFigureOut">
               <a:rPr lang="en-US" smtClean="0"/>
-              <a:t>3/6/2018</a:t>
+              <a:t>3/25/2018</a:t>
             </a:fld>
             <a:endParaRPr lang="en-US" dirty="0"/>
           </a:p>
@@ -2100,7 +2100,7 @@
           <a:lstStyle/>
           <a:p>
             <a:r>
-              <a:rPr lang="en-US" smtClean="0"/>
+              <a:rPr lang="en-US"/>
               <a:t>Click to edit Master title style</a:t>
             </a:r>
             <a:endParaRPr lang="en-US" dirty="0"/>
@@ -2124,7 +2124,7 @@
           <a:p>
             <a:fld id="{48A87A34-81AB-432B-8DAE-1953F412C126}" type="datetimeFigureOut">
               <a:rPr lang="en-US" smtClean="0"/>
-              <a:t>3/6/2018</a:t>
+              <a:t>3/25/2018</a:t>
             </a:fld>
             <a:endParaRPr lang="en-US" dirty="0"/>
           </a:p>
@@ -2295,7 +2295,7 @@
           <a:p>
             <a:fld id="{48A87A34-81AB-432B-8DAE-1953F412C126}" type="datetimeFigureOut">
               <a:rPr lang="en-US" smtClean="0"/>
-              <a:t>3/6/2018</a:t>
+              <a:t>3/25/2018</a:t>
             </a:fld>
             <a:endParaRPr lang="en-US" dirty="0"/>
           </a:p>
@@ -2488,7 +2488,7 @@
           </a:lstStyle>
           <a:p>
             <a:r>
-              <a:rPr lang="en-US" smtClean="0"/>
+              <a:rPr lang="en-US"/>
               <a:t>Click to edit Master title style</a:t>
             </a:r>
             <a:endParaRPr lang="en-US" dirty="0"/>
@@ -2517,35 +2517,35 @@
           <a:p>
             <a:pPr lvl="0"/>
             <a:r>
-              <a:rPr lang="en-US" smtClean="0"/>
+              <a:rPr lang="en-US"/>
               <a:t>Click to edit Master text styles</a:t>
             </a:r>
           </a:p>
           <a:p>
             <a:pPr lvl="1"/>
             <a:r>
-              <a:rPr lang="en-US" smtClean="0"/>
+              <a:rPr lang="en-US"/>
               <a:t>Second level</a:t>
             </a:r>
           </a:p>
           <a:p>
             <a:pPr lvl="2"/>
             <a:r>
-              <a:rPr lang="en-US" smtClean="0"/>
+              <a:rPr lang="en-US"/>
               <a:t>Third level</a:t>
             </a:r>
           </a:p>
           <a:p>
             <a:pPr lvl="3"/>
             <a:r>
-              <a:rPr lang="en-US" smtClean="0"/>
+              <a:rPr lang="en-US"/>
               <a:t>Fourth level</a:t>
             </a:r>
           </a:p>
           <a:p>
             <a:pPr lvl="4"/>
             <a:r>
-              <a:rPr lang="en-US" smtClean="0"/>
+              <a:rPr lang="en-US"/>
               <a:t>Fifth level</a:t>
             </a:r>
             <a:endParaRPr lang="en-US" dirty="0"/>
@@ -2617,7 +2617,7 @@
           <a:p>
             <a:pPr lvl="0"/>
             <a:r>
-              <a:rPr lang="en-US" smtClean="0"/>
+              <a:rPr lang="en-US"/>
               <a:t>Click to edit Master text styles</a:t>
             </a:r>
           </a:p>
@@ -2649,7 +2649,7 @@
           <a:p>
             <a:fld id="{48A87A34-81AB-432B-8DAE-1953F412C126}" type="datetimeFigureOut">
               <a:rPr lang="en-US" smtClean="0"/>
-              <a:t>3/6/2018</a:t>
+              <a:t>3/25/2018</a:t>
             </a:fld>
             <a:endParaRPr lang="en-US" dirty="0"/>
           </a:p>
@@ -2855,7 +2855,7 @@
           </a:lstStyle>
           <a:p>
             <a:r>
-              <a:rPr lang="en-US" smtClean="0"/>
+              <a:rPr lang="en-US"/>
               <a:t>Click to edit Master title style</a:t>
             </a:r>
             <a:endParaRPr lang="en-US" dirty="0"/>
@@ -2930,7 +2930,7 @@
           </a:lstStyle>
           <a:p>
             <a:r>
-              <a:rPr lang="en-US" smtClean="0"/>
+              <a:rPr lang="en-US"/>
               <a:t>Click icon to add picture</a:t>
             </a:r>
             <a:endParaRPr lang="en-US" dirty="0"/>
@@ -3008,7 +3008,7 @@
           <a:p>
             <a:pPr lvl="0"/>
             <a:r>
-              <a:rPr lang="en-US" smtClean="0"/>
+              <a:rPr lang="en-US"/>
               <a:t>Click to edit Master text styles</a:t>
             </a:r>
           </a:p>
@@ -3031,7 +3031,7 @@
           <a:p>
             <a:fld id="{48A87A34-81AB-432B-8DAE-1953F412C126}" type="datetimeFigureOut">
               <a:rPr lang="en-US" smtClean="0"/>
-              <a:t>3/6/2018</a:t>
+              <a:t>3/25/2018</a:t>
             </a:fld>
             <a:endParaRPr lang="en-US" dirty="0"/>
           </a:p>
@@ -3216,7 +3216,7 @@
           <a:lstStyle/>
           <a:p>
             <a:r>
-              <a:rPr lang="en-US" smtClean="0"/>
+              <a:rPr lang="en-US"/>
               <a:t>Click to edit Master title style</a:t>
             </a:r>
             <a:endParaRPr lang="en-US" dirty="0"/>
@@ -3250,35 +3250,35 @@
           <a:p>
             <a:pPr lvl="0"/>
             <a:r>
-              <a:rPr lang="en-US" smtClean="0"/>
+              <a:rPr lang="en-US"/>
               <a:t>Click to edit Master text styles</a:t>
             </a:r>
           </a:p>
           <a:p>
             <a:pPr lvl="1"/>
             <a:r>
-              <a:rPr lang="en-US" smtClean="0"/>
+              <a:rPr lang="en-US"/>
               <a:t>Second level</a:t>
             </a:r>
           </a:p>
           <a:p>
             <a:pPr lvl="2"/>
             <a:r>
-              <a:rPr lang="en-US" smtClean="0"/>
+              <a:rPr lang="en-US"/>
               <a:t>Third level</a:t>
             </a:r>
           </a:p>
           <a:p>
             <a:pPr lvl="3"/>
             <a:r>
-              <a:rPr lang="en-US" smtClean="0"/>
+              <a:rPr lang="en-US"/>
               <a:t>Fourth level</a:t>
             </a:r>
           </a:p>
           <a:p>
             <a:pPr lvl="4"/>
             <a:r>
-              <a:rPr lang="en-US" smtClean="0"/>
+              <a:rPr lang="en-US"/>
               <a:t>Fifth level</a:t>
             </a:r>
             <a:endParaRPr lang="en-US" dirty="0"/>
@@ -3319,7 +3319,7 @@
             <a:fld id="{48A87A34-81AB-432B-8DAE-1953F412C126}" type="datetimeFigureOut">
               <a:rPr lang="en-US" smtClean="0"/>
               <a:pPr/>
-              <a:t>3/6/2018</a:t>
+              <a:t>3/25/2018</a:t>
             </a:fld>
             <a:endParaRPr lang="en-US" dirty="0"/>
           </a:p>
@@ -3860,14 +3860,13 @@
           <a:lstStyle/>
           <a:p>
             <a:r>
-              <a:rPr lang="en-PH" dirty="0" err="1" smtClean="0"/>
+              <a:rPr lang="en-PH" dirty="0" err="1"/>
               <a:t>Mobot</a:t>
             </a:r>
             <a:r>
-              <a:rPr lang="en-PH" dirty="0" smtClean="0"/>
+              <a:rPr lang="en-PH" dirty="0"/>
               <a:t> Software Design Specification</a:t>
             </a:r>
-            <a:endParaRPr lang="en-PH" dirty="0"/>
           </a:p>
         </p:txBody>
       </p:sp>
@@ -3900,13 +3899,6 @@
   <p:clrMapOvr>
     <a:masterClrMapping/>
   </p:clrMapOvr>
-  <p:timing>
-    <p:tnLst>
-      <p:par>
-        <p:cTn id="1" dur="indefinite" restart="never" nodeType="tmRoot"/>
-      </p:par>
-    </p:tnLst>
-  </p:timing>
 </p:sld>
 </file>
 
@@ -3943,10 +3935,9 @@
           <a:lstStyle/>
           <a:p>
             <a:r>
-              <a:rPr lang="en-PH" dirty="0" smtClean="0"/>
+              <a:rPr lang="en-PH" dirty="0"/>
               <a:t>Motor Manager State Table</a:t>
             </a:r>
-            <a:endParaRPr lang="en-PH" dirty="0"/>
           </a:p>
         </p:txBody>
       </p:sp>
@@ -3976,15 +3967,69 @@
                 <a:tableStyleId>{5C22544A-7EE6-4342-B048-85BDC9FD1C3A}</a:tableStyleId>
               </a:tblPr>
               <a:tblGrid>
-                <a:gridCol w="1255059"/>
-                <a:gridCol w="1780915"/>
-                <a:gridCol w="729203"/>
-                <a:gridCol w="1255059"/>
-                <a:gridCol w="1255059"/>
-                <a:gridCol w="1255059"/>
-                <a:gridCol w="1255059"/>
-                <a:gridCol w="1255059"/>
-                <a:gridCol w="1255059"/>
+                <a:gridCol w="1255059">
+                  <a:extLst>
+                    <a:ext uri="{9D8B030D-6E8A-4147-A177-3AD203B41FA5}">
+                      <a16:colId xmlns:a16="http://schemas.microsoft.com/office/drawing/2014/main" val="20000"/>
+                    </a:ext>
+                  </a:extLst>
+                </a:gridCol>
+                <a:gridCol w="1780915">
+                  <a:extLst>
+                    <a:ext uri="{9D8B030D-6E8A-4147-A177-3AD203B41FA5}">
+                      <a16:colId xmlns:a16="http://schemas.microsoft.com/office/drawing/2014/main" val="20001"/>
+                    </a:ext>
+                  </a:extLst>
+                </a:gridCol>
+                <a:gridCol w="729203">
+                  <a:extLst>
+                    <a:ext uri="{9D8B030D-6E8A-4147-A177-3AD203B41FA5}">
+                      <a16:colId xmlns:a16="http://schemas.microsoft.com/office/drawing/2014/main" val="20002"/>
+                    </a:ext>
+                  </a:extLst>
+                </a:gridCol>
+                <a:gridCol w="1255059">
+                  <a:extLst>
+                    <a:ext uri="{9D8B030D-6E8A-4147-A177-3AD203B41FA5}">
+                      <a16:colId xmlns:a16="http://schemas.microsoft.com/office/drawing/2014/main" val="20003"/>
+                    </a:ext>
+                  </a:extLst>
+                </a:gridCol>
+                <a:gridCol w="1255059">
+                  <a:extLst>
+                    <a:ext uri="{9D8B030D-6E8A-4147-A177-3AD203B41FA5}">
+                      <a16:colId xmlns:a16="http://schemas.microsoft.com/office/drawing/2014/main" val="20004"/>
+                    </a:ext>
+                  </a:extLst>
+                </a:gridCol>
+                <a:gridCol w="1255059">
+                  <a:extLst>
+                    <a:ext uri="{9D8B030D-6E8A-4147-A177-3AD203B41FA5}">
+                      <a16:colId xmlns:a16="http://schemas.microsoft.com/office/drawing/2014/main" val="20005"/>
+                    </a:ext>
+                  </a:extLst>
+                </a:gridCol>
+                <a:gridCol w="1255059">
+                  <a:extLst>
+                    <a:ext uri="{9D8B030D-6E8A-4147-A177-3AD203B41FA5}">
+                      <a16:colId xmlns:a16="http://schemas.microsoft.com/office/drawing/2014/main" val="20006"/>
+                    </a:ext>
+                  </a:extLst>
+                </a:gridCol>
+                <a:gridCol w="1255059">
+                  <a:extLst>
+                    <a:ext uri="{9D8B030D-6E8A-4147-A177-3AD203B41FA5}">
+                      <a16:colId xmlns:a16="http://schemas.microsoft.com/office/drawing/2014/main" val="20007"/>
+                    </a:ext>
+                  </a:extLst>
+                </a:gridCol>
+                <a:gridCol w="1255059">
+                  <a:extLst>
+                    <a:ext uri="{9D8B030D-6E8A-4147-A177-3AD203B41FA5}">
+                      <a16:colId xmlns:a16="http://schemas.microsoft.com/office/drawing/2014/main" val="20008"/>
+                    </a:ext>
+                  </a:extLst>
+                </a:gridCol>
               </a:tblGrid>
               <a:tr h="370840">
                 <a:tc>
@@ -4167,6 +4212,11 @@
                   </a:txBody>
                   <a:tcPr marL="9525" marR="9525" marT="9525" marB="0" anchor="ctr"/>
                 </a:tc>
+                <a:extLst>
+                  <a:ext uri="{0D108BD9-81ED-4DB2-BD59-A6C34878D82A}">
+                    <a16:rowId xmlns:a16="http://schemas.microsoft.com/office/drawing/2014/main" val="10000"/>
+                  </a:ext>
+                </a:extLst>
               </a:tr>
               <a:tr h="370840">
                 <a:tc>
@@ -4349,6 +4399,11 @@
                   </a:txBody>
                   <a:tcPr marL="9525" marR="9525" marT="9525" marB="0" anchor="b"/>
                 </a:tc>
+                <a:extLst>
+                  <a:ext uri="{0D108BD9-81ED-4DB2-BD59-A6C34878D82A}">
+                    <a16:rowId xmlns:a16="http://schemas.microsoft.com/office/drawing/2014/main" val="10001"/>
+                  </a:ext>
+                </a:extLst>
               </a:tr>
               <a:tr h="370840">
                 <a:tc>
@@ -4528,6 +4583,11 @@
                   </a:txBody>
                   <a:tcPr marL="9525" marR="9525" marT="9525" marB="0" anchor="b"/>
                 </a:tc>
+                <a:extLst>
+                  <a:ext uri="{0D108BD9-81ED-4DB2-BD59-A6C34878D82A}">
+                    <a16:rowId xmlns:a16="http://schemas.microsoft.com/office/drawing/2014/main" val="10002"/>
+                  </a:ext>
+                </a:extLst>
               </a:tr>
               <a:tr h="370840">
                 <a:tc>
@@ -4710,6 +4770,11 @@
                   </a:txBody>
                   <a:tcPr marL="9525" marR="9525" marT="9525" marB="0" anchor="b"/>
                 </a:tc>
+                <a:extLst>
+                  <a:ext uri="{0D108BD9-81ED-4DB2-BD59-A6C34878D82A}">
+                    <a16:rowId xmlns:a16="http://schemas.microsoft.com/office/drawing/2014/main" val="10003"/>
+                  </a:ext>
+                </a:extLst>
               </a:tr>
               <a:tr h="370840">
                 <a:tc>
@@ -4892,6 +4957,11 @@
                   </a:txBody>
                   <a:tcPr marL="9525" marR="9525" marT="9525" marB="0" anchor="b"/>
                 </a:tc>
+                <a:extLst>
+                  <a:ext uri="{0D108BD9-81ED-4DB2-BD59-A6C34878D82A}">
+                    <a16:rowId xmlns:a16="http://schemas.microsoft.com/office/drawing/2014/main" val="10004"/>
+                  </a:ext>
+                </a:extLst>
               </a:tr>
               <a:tr h="370840">
                 <a:tc>
@@ -5074,6 +5144,11 @@
                   </a:txBody>
                   <a:tcPr marL="9525" marR="9525" marT="9525" marB="0" anchor="b"/>
                 </a:tc>
+                <a:extLst>
+                  <a:ext uri="{0D108BD9-81ED-4DB2-BD59-A6C34878D82A}">
+                    <a16:rowId xmlns:a16="http://schemas.microsoft.com/office/drawing/2014/main" val="10005"/>
+                  </a:ext>
+                </a:extLst>
               </a:tr>
               <a:tr h="370840">
                 <a:tc>
@@ -5256,6 +5331,11 @@
                   </a:txBody>
                   <a:tcPr marL="9525" marR="9525" marT="9525" marB="0" anchor="b"/>
                 </a:tc>
+                <a:extLst>
+                  <a:ext uri="{0D108BD9-81ED-4DB2-BD59-A6C34878D82A}">
+                    <a16:rowId xmlns:a16="http://schemas.microsoft.com/office/drawing/2014/main" val="10006"/>
+                  </a:ext>
+                </a:extLst>
               </a:tr>
               <a:tr h="370840">
                 <a:tc>
@@ -5438,6 +5518,11 @@
                   </a:txBody>
                   <a:tcPr marL="9525" marR="9525" marT="9525" marB="0" anchor="b"/>
                 </a:tc>
+                <a:extLst>
+                  <a:ext uri="{0D108BD9-81ED-4DB2-BD59-A6C34878D82A}">
+                    <a16:rowId xmlns:a16="http://schemas.microsoft.com/office/drawing/2014/main" val="10007"/>
+                  </a:ext>
+                </a:extLst>
               </a:tr>
               <a:tr h="370840">
                 <a:tc>
@@ -5530,6 +5615,11 @@
                   </a:txBody>
                   <a:tcPr/>
                 </a:tc>
+                <a:extLst>
+                  <a:ext uri="{0D108BD9-81ED-4DB2-BD59-A6C34878D82A}">
+                    <a16:rowId xmlns:a16="http://schemas.microsoft.com/office/drawing/2014/main" val="10008"/>
+                  </a:ext>
+                </a:extLst>
               </a:tr>
             </a:tbl>
           </a:graphicData>
@@ -5575,42 +5665,51 @@
             <p:ph type="title"/>
           </p:nvPr>
         </p:nvSpPr>
-        <p:spPr/>
+        <p:spPr>
+          <a:xfrm>
+            <a:off x="1097280" y="286603"/>
+            <a:ext cx="10058400" cy="1450757"/>
+          </a:xfrm>
+        </p:spPr>
         <p:txBody>
           <a:bodyPr/>
           <a:lstStyle/>
           <a:p>
             <a:r>
-              <a:rPr lang="en-PH" dirty="0" smtClean="0"/>
-              <a:t>Motor Manager </a:t>
-            </a:r>
-            <a:r>
-              <a:rPr lang="en-PH" smtClean="0"/>
-              <a:t>State Machine</a:t>
-            </a:r>
-            <a:endParaRPr lang="en-PH" dirty="0"/>
+              <a:rPr lang="en-PH" dirty="0"/>
+              <a:t>Motor Manager State Machine</a:t>
+            </a:r>
           </a:p>
         </p:txBody>
       </p:sp>
-      <p:sp>
-        <p:nvSpPr>
-          <p:cNvPr id="3" name="Content Placeholder 2"/>
-          <p:cNvSpPr>
-            <a:spLocks noGrp="1"/>
-          </p:cNvSpPr>
+      <p:pic>
+        <p:nvPicPr>
+          <p:cNvPr id="5" name="Content Placeholder 4">
+            <a:extLst>
+              <a:ext uri="{FF2B5EF4-FFF2-40B4-BE49-F238E27FC236}">
+                <a16:creationId xmlns:a16="http://schemas.microsoft.com/office/drawing/2014/main" id="{9C910268-7938-43D7-B75A-8349E4283E63}"/>
+              </a:ext>
+            </a:extLst>
+          </p:cNvPr>
+          <p:cNvPicPr>
+            <a:picLocks noGrp="1" noChangeAspect="1"/>
+          </p:cNvPicPr>
           <p:nvPr>
             <p:ph idx="1"/>
           </p:nvPr>
-        </p:nvSpPr>
-        <p:spPr/>
-        <p:txBody>
-          <a:bodyPr/>
-          <a:lstStyle/>
-          <a:p>
-            <a:endParaRPr lang="en-PH"/>
-          </a:p>
-        </p:txBody>
-      </p:sp>
+        </p:nvPicPr>
+        <p:blipFill rotWithShape="1">
+          <a:blip r:embed="rId2"/>
+          <a:srcRect l="315" r="480" b="1029"/>
+          <a:stretch/>
+        </p:blipFill>
+        <p:spPr>
+          <a:xfrm>
+            <a:off x="2446685" y="1828800"/>
+            <a:ext cx="7336507" cy="4509856"/>
+          </a:xfrm>
+        </p:spPr>
+      </p:pic>
     </p:spTree>
     <p:extLst>
       <p:ext uri="{BB962C8B-B14F-4D97-AF65-F5344CB8AC3E}">
@@ -5662,10 +5761,9 @@
           <a:lstStyle/>
           <a:p>
             <a:r>
-              <a:rPr lang="en-PH" dirty="0" smtClean="0"/>
+              <a:rPr lang="en-PH" dirty="0"/>
               <a:t>Class Diagram</a:t>
             </a:r>
-            <a:endParaRPr lang="en-PH" dirty="0"/>
           </a:p>
         </p:txBody>
       </p:sp>
@@ -5807,10 +5905,9 @@
           <a:lstStyle/>
           <a:p>
             <a:r>
-              <a:rPr lang="en-PH" smtClean="0"/>
+              <a:rPr lang="en-PH"/>
               <a:t>Block Diagram</a:t>
             </a:r>
-            <a:endParaRPr lang="en-PH"/>
           </a:p>
         </p:txBody>
       </p:sp>
@@ -5851,10 +5948,9 @@
           <a:p>
             <a:pPr algn="ctr"/>
             <a:r>
-              <a:rPr lang="en-PH" dirty="0" smtClean="0"/>
+              <a:rPr lang="en-PH" dirty="0"/>
               <a:t>PIC16F877A MCU</a:t>
             </a:r>
-            <a:endParaRPr lang="en-PH" dirty="0"/>
           </a:p>
         </p:txBody>
       </p:sp>
@@ -5895,10 +5991,9 @@
           <a:p>
             <a:pPr algn="ctr"/>
             <a:r>
-              <a:rPr lang="en-PH" dirty="0" smtClean="0"/>
+              <a:rPr lang="en-PH" dirty="0"/>
               <a:t>LEFT PROXIMITY SENSOR</a:t>
             </a:r>
-            <a:endParaRPr lang="en-PH" dirty="0"/>
           </a:p>
         </p:txBody>
       </p:sp>
@@ -5939,10 +6034,9 @@
           <a:p>
             <a:pPr algn="ctr"/>
             <a:r>
-              <a:rPr lang="en-PH" dirty="0" smtClean="0"/>
+              <a:rPr lang="en-PH" dirty="0"/>
               <a:t>LEFT PROXIMITY SENSOR</a:t>
             </a:r>
-            <a:endParaRPr lang="en-PH" dirty="0"/>
           </a:p>
         </p:txBody>
       </p:sp>
@@ -6039,10 +6133,9 @@
           <a:lstStyle/>
           <a:p>
             <a:r>
-              <a:rPr lang="en-PH" dirty="0" smtClean="0"/>
+              <a:rPr lang="en-PH" dirty="0"/>
               <a:t>PORTB.B4</a:t>
             </a:r>
-            <a:endParaRPr lang="en-PH" dirty="0"/>
           </a:p>
         </p:txBody>
       </p:sp>
@@ -6069,10 +6162,9 @@
           <a:lstStyle/>
           <a:p>
             <a:r>
-              <a:rPr lang="en-PH" dirty="0" smtClean="0"/>
+              <a:rPr lang="en-PH" dirty="0"/>
               <a:t>PORTB.B5</a:t>
             </a:r>
-            <a:endParaRPr lang="en-PH" dirty="0"/>
           </a:p>
         </p:txBody>
       </p:sp>
@@ -6113,7 +6205,7 @@
           <a:p>
             <a:pPr algn="ctr"/>
             <a:r>
-              <a:rPr lang="en-PH" dirty="0" smtClean="0"/>
+              <a:rPr lang="en-PH" dirty="0"/>
               <a:t>MOTOR DRIVE</a:t>
             </a:r>
           </a:p>
@@ -6274,10 +6366,9 @@
           <a:lstStyle/>
           <a:p>
             <a:r>
-              <a:rPr lang="en-PH" dirty="0" smtClean="0"/>
+              <a:rPr lang="en-PH" dirty="0"/>
               <a:t>PORTB.B3 / DIR_A</a:t>
             </a:r>
-            <a:endParaRPr lang="en-PH" dirty="0"/>
           </a:p>
         </p:txBody>
       </p:sp>
@@ -6304,10 +6395,9 @@
           <a:lstStyle/>
           <a:p>
             <a:r>
-              <a:rPr lang="en-PH" dirty="0" smtClean="0"/>
+              <a:rPr lang="en-PH" dirty="0"/>
               <a:t>PORTB.B2 / DIR_B</a:t>
             </a:r>
-            <a:endParaRPr lang="en-PH" dirty="0"/>
           </a:p>
         </p:txBody>
       </p:sp>
@@ -6334,10 +6424,9 @@
           <a:lstStyle/>
           <a:p>
             <a:r>
-              <a:rPr lang="en-PH" dirty="0" smtClean="0"/>
+              <a:rPr lang="en-PH" dirty="0"/>
               <a:t>CCP1 / PWM_A</a:t>
             </a:r>
-            <a:endParaRPr lang="en-PH" dirty="0"/>
           </a:p>
         </p:txBody>
       </p:sp>
@@ -6364,10 +6453,9 @@
           <a:lstStyle/>
           <a:p>
             <a:r>
-              <a:rPr lang="en-PH" dirty="0" smtClean="0"/>
+              <a:rPr lang="en-PH" dirty="0"/>
               <a:t>CCP2 / PWM_B</a:t>
             </a:r>
-            <a:endParaRPr lang="en-PH" dirty="0"/>
           </a:p>
         </p:txBody>
       </p:sp>
@@ -6544,10 +6632,9 @@
           <a:lstStyle/>
           <a:p>
             <a:r>
-              <a:rPr lang="en-PH" dirty="0" smtClean="0"/>
+              <a:rPr lang="en-PH" dirty="0"/>
               <a:t>MOTOR A/C</a:t>
             </a:r>
-            <a:endParaRPr lang="en-PH" dirty="0"/>
           </a:p>
         </p:txBody>
       </p:sp>
@@ -6574,10 +6661,9 @@
           <a:lstStyle/>
           <a:p>
             <a:r>
-              <a:rPr lang="en-PH" dirty="0" smtClean="0"/>
+              <a:rPr lang="en-PH" dirty="0"/>
               <a:t>MOTOR B/D</a:t>
             </a:r>
-            <a:endParaRPr lang="en-PH" dirty="0"/>
           </a:p>
         </p:txBody>
       </p:sp>
@@ -6591,13 +6677,6 @@
   <p:clrMapOvr>
     <a:masterClrMapping/>
   </p:clrMapOvr>
-  <p:timing>
-    <p:tnLst>
-      <p:par>
-        <p:cTn id="1" dur="indefinite" restart="never" nodeType="tmRoot"/>
-      </p:par>
-    </p:tnLst>
-  </p:timing>
 </p:sld>
 </file>
 
@@ -6634,10 +6713,9 @@
           <a:lstStyle/>
           <a:p>
             <a:r>
-              <a:rPr lang="en-PH" dirty="0" smtClean="0"/>
+              <a:rPr lang="en-PH" dirty="0"/>
               <a:t>Microcontroller Unit</a:t>
             </a:r>
-            <a:endParaRPr lang="en-PH" dirty="0"/>
           </a:p>
         </p:txBody>
       </p:sp>
@@ -6690,8 +6768,20 @@
                 <a:tableStyleId>{5C22544A-7EE6-4342-B048-85BDC9FD1C3A}</a:tableStyleId>
               </a:tblPr>
               <a:tblGrid>
-                <a:gridCol w="3244477"/>
-                <a:gridCol w="3244477"/>
+                <a:gridCol w="3244477">
+                  <a:extLst>
+                    <a:ext uri="{9D8B030D-6E8A-4147-A177-3AD203B41FA5}">
+                      <a16:colId xmlns:a16="http://schemas.microsoft.com/office/drawing/2014/main" val="20000"/>
+                    </a:ext>
+                  </a:extLst>
+                </a:gridCol>
+                <a:gridCol w="3244477">
+                  <a:extLst>
+                    <a:ext uri="{9D8B030D-6E8A-4147-A177-3AD203B41FA5}">
+                      <a16:colId xmlns:a16="http://schemas.microsoft.com/office/drawing/2014/main" val="20001"/>
+                    </a:ext>
+                  </a:extLst>
+                </a:gridCol>
               </a:tblGrid>
               <a:tr h="0">
                 <a:tc>
@@ -6700,10 +6790,9 @@
                     <a:lstStyle/>
                     <a:p>
                       <a:r>
-                        <a:rPr lang="en-PH" dirty="0" smtClean="0"/>
+                        <a:rPr lang="en-PH" dirty="0"/>
                         <a:t>Device</a:t>
                       </a:r>
-                      <a:endParaRPr lang="en-PH" dirty="0"/>
                     </a:p>
                   </a:txBody>
                   <a:tcPr/>
@@ -6714,14 +6803,18 @@
                     <a:lstStyle/>
                     <a:p>
                       <a:r>
-                        <a:rPr lang="en-PH" dirty="0" smtClean="0"/>
+                        <a:rPr lang="en-PH" dirty="0"/>
                         <a:t>PIC16F877A</a:t>
                       </a:r>
-                      <a:endParaRPr lang="en-PH" dirty="0"/>
                     </a:p>
                   </a:txBody>
                   <a:tcPr/>
                 </a:tc>
+                <a:extLst>
+                  <a:ext uri="{0D108BD9-81ED-4DB2-BD59-A6C34878D82A}">
+                    <a16:rowId xmlns:a16="http://schemas.microsoft.com/office/drawing/2014/main" val="10000"/>
+                  </a:ext>
+                </a:extLst>
               </a:tr>
               <a:tr h="370840">
                 <a:tc>
@@ -6730,11 +6823,11 @@
                     <a:lstStyle/>
                     <a:p>
                       <a:r>
-                        <a:rPr lang="en-PH" dirty="0" smtClean="0"/>
+                        <a:rPr lang="en-PH" dirty="0"/>
                         <a:t>Clock</a:t>
                       </a:r>
                       <a:r>
-                        <a:rPr lang="en-PH" baseline="0" dirty="0" smtClean="0"/>
+                        <a:rPr lang="en-PH" baseline="0" dirty="0"/>
                         <a:t> Speed</a:t>
                       </a:r>
                       <a:endParaRPr lang="en-PH" dirty="0"/>
@@ -6748,14 +6841,18 @@
                     <a:lstStyle/>
                     <a:p>
                       <a:r>
-                        <a:rPr lang="en-PH" dirty="0" smtClean="0"/>
+                        <a:rPr lang="en-PH" dirty="0"/>
                         <a:t>20MHz</a:t>
                       </a:r>
-                      <a:endParaRPr lang="en-PH" dirty="0"/>
                     </a:p>
                   </a:txBody>
                   <a:tcPr/>
                 </a:tc>
+                <a:extLst>
+                  <a:ext uri="{0D108BD9-81ED-4DB2-BD59-A6C34878D82A}">
+                    <a16:rowId xmlns:a16="http://schemas.microsoft.com/office/drawing/2014/main" val="10001"/>
+                  </a:ext>
+                </a:extLst>
               </a:tr>
               <a:tr h="370840">
                 <a:tc>
@@ -6764,10 +6861,9 @@
                     <a:lstStyle/>
                     <a:p>
                       <a:r>
-                        <a:rPr lang="en-PH" dirty="0" smtClean="0"/>
+                        <a:rPr lang="en-PH" dirty="0"/>
                         <a:t>CPU</a:t>
                       </a:r>
-                      <a:endParaRPr lang="en-PH" dirty="0"/>
                     </a:p>
                   </a:txBody>
                   <a:tcPr/>
@@ -6778,14 +6874,18 @@
                     <a:lstStyle/>
                     <a:p>
                       <a:r>
-                        <a:rPr lang="en-PH" dirty="0" smtClean="0"/>
+                        <a:rPr lang="en-PH" dirty="0"/>
                         <a:t>RISC</a:t>
                       </a:r>
-                      <a:endParaRPr lang="en-PH" dirty="0"/>
                     </a:p>
                   </a:txBody>
                   <a:tcPr/>
                 </a:tc>
+                <a:extLst>
+                  <a:ext uri="{0D108BD9-81ED-4DB2-BD59-A6C34878D82A}">
+                    <a16:rowId xmlns:a16="http://schemas.microsoft.com/office/drawing/2014/main" val="10002"/>
+                  </a:ext>
+                </a:extLst>
               </a:tr>
               <a:tr h="370840">
                 <a:tc>
@@ -6794,10 +6894,9 @@
                     <a:lstStyle/>
                     <a:p>
                       <a:r>
-                        <a:rPr lang="en-PH" dirty="0" smtClean="0"/>
+                        <a:rPr lang="en-PH" dirty="0"/>
                         <a:t>PWM</a:t>
                       </a:r>
-                      <a:endParaRPr lang="en-PH" dirty="0"/>
                     </a:p>
                   </a:txBody>
                   <a:tcPr/>
@@ -6808,13 +6907,18 @@
                     <a:lstStyle/>
                     <a:p>
                       <a:r>
-                        <a:rPr lang="en-PH" dirty="0" smtClean="0"/>
+                        <a:rPr lang="en-PH" dirty="0"/>
                         <a:t>2, 10 bits resolution</a:t>
                       </a:r>
                     </a:p>
                   </a:txBody>
                   <a:tcPr/>
                 </a:tc>
+                <a:extLst>
+                  <a:ext uri="{0D108BD9-81ED-4DB2-BD59-A6C34878D82A}">
+                    <a16:rowId xmlns:a16="http://schemas.microsoft.com/office/drawing/2014/main" val="10003"/>
+                  </a:ext>
+                </a:extLst>
               </a:tr>
               <a:tr h="370840">
                 <a:tc>
@@ -6823,32 +6927,36 @@
                     <a:lstStyle/>
                     <a:p>
                       <a:r>
-                        <a:rPr lang="en-PH" dirty="0" smtClean="0"/>
+                        <a:rPr lang="en-PH" dirty="0"/>
                         <a:t>ROM</a:t>
                       </a:r>
+                    </a:p>
+                  </a:txBody>
+                  <a:tcPr/>
+                </a:tc>
+                <a:tc>
+                  <a:txBody>
+                    <a:bodyPr/>
+                    <a:lstStyle/>
+                    <a:p>
+                      <a:r>
+                        <a:rPr lang="en-PH" dirty="0"/>
+                        <a:t>8192</a:t>
+                      </a:r>
+                      <a:r>
+                        <a:rPr lang="en-PH" baseline="0" dirty="0"/>
+                        <a:t> Words, 14.3KB</a:t>
+                      </a:r>
                       <a:endParaRPr lang="en-PH" dirty="0"/>
                     </a:p>
                   </a:txBody>
                   <a:tcPr/>
                 </a:tc>
-                <a:tc>
-                  <a:txBody>
-                    <a:bodyPr/>
-                    <a:lstStyle/>
-                    <a:p>
-                      <a:r>
-                        <a:rPr lang="en-PH" dirty="0" smtClean="0"/>
-                        <a:t>8192</a:t>
-                      </a:r>
-                      <a:r>
-                        <a:rPr lang="en-PH" baseline="0" dirty="0" smtClean="0"/>
-                        <a:t> Words, 14.3KB</a:t>
-                      </a:r>
-                      <a:endParaRPr lang="en-PH" dirty="0"/>
-                    </a:p>
-                  </a:txBody>
-                  <a:tcPr/>
-                </a:tc>
+                <a:extLst>
+                  <a:ext uri="{0D108BD9-81ED-4DB2-BD59-A6C34878D82A}">
+                    <a16:rowId xmlns:a16="http://schemas.microsoft.com/office/drawing/2014/main" val="10004"/>
+                  </a:ext>
+                </a:extLst>
               </a:tr>
               <a:tr h="370840">
                 <a:tc>
@@ -6857,10 +6965,9 @@
                     <a:lstStyle/>
                     <a:p>
                       <a:r>
-                        <a:rPr lang="en-PH" dirty="0" smtClean="0"/>
+                        <a:rPr lang="en-PH" dirty="0"/>
                         <a:t>RAM</a:t>
                       </a:r>
-                      <a:endParaRPr lang="en-PH" dirty="0"/>
                     </a:p>
                   </a:txBody>
                   <a:tcPr/>
@@ -6871,14 +6978,18 @@
                     <a:lstStyle/>
                     <a:p>
                       <a:r>
-                        <a:rPr lang="en-PH" dirty="0" smtClean="0"/>
+                        <a:rPr lang="en-PH" dirty="0"/>
                         <a:t>368 bytes</a:t>
                       </a:r>
-                      <a:endParaRPr lang="en-PH" dirty="0"/>
                     </a:p>
                   </a:txBody>
                   <a:tcPr/>
                 </a:tc>
+                <a:extLst>
+                  <a:ext uri="{0D108BD9-81ED-4DB2-BD59-A6C34878D82A}">
+                    <a16:rowId xmlns:a16="http://schemas.microsoft.com/office/drawing/2014/main" val="10005"/>
+                  </a:ext>
+                </a:extLst>
               </a:tr>
               <a:tr h="370840">
                 <a:tc>
@@ -6887,32 +6998,36 @@
                     <a:lstStyle/>
                     <a:p>
                       <a:r>
-                        <a:rPr lang="en-PH" dirty="0" smtClean="0"/>
+                        <a:rPr lang="en-PH" dirty="0"/>
                         <a:t>I/O</a:t>
                       </a:r>
+                    </a:p>
+                  </a:txBody>
+                  <a:tcPr/>
+                </a:tc>
+                <a:tc>
+                  <a:txBody>
+                    <a:bodyPr/>
+                    <a:lstStyle/>
+                    <a:p>
+                      <a:r>
+                        <a:rPr lang="en-PH" dirty="0"/>
+                        <a:t>33, Ports A, B, C,</a:t>
+                      </a:r>
+                      <a:r>
+                        <a:rPr lang="en-PH" baseline="0" dirty="0"/>
+                        <a:t> D, E</a:t>
+                      </a:r>
                       <a:endParaRPr lang="en-PH" dirty="0"/>
                     </a:p>
                   </a:txBody>
                   <a:tcPr/>
                 </a:tc>
-                <a:tc>
-                  <a:txBody>
-                    <a:bodyPr/>
-                    <a:lstStyle/>
-                    <a:p>
-                      <a:r>
-                        <a:rPr lang="en-PH" dirty="0" smtClean="0"/>
-                        <a:t>33, Ports A, B, C,</a:t>
-                      </a:r>
-                      <a:r>
-                        <a:rPr lang="en-PH" baseline="0" dirty="0" smtClean="0"/>
-                        <a:t> D, E</a:t>
-                      </a:r>
-                      <a:endParaRPr lang="en-PH" dirty="0"/>
-                    </a:p>
-                  </a:txBody>
-                  <a:tcPr/>
-                </a:tc>
+                <a:extLst>
+                  <a:ext uri="{0D108BD9-81ED-4DB2-BD59-A6C34878D82A}">
+                    <a16:rowId xmlns:a16="http://schemas.microsoft.com/office/drawing/2014/main" val="10006"/>
+                  </a:ext>
+                </a:extLst>
               </a:tr>
               <a:tr h="370840">
                 <a:tc>
@@ -6921,11 +7036,11 @@
                     <a:lstStyle/>
                     <a:p>
                       <a:r>
-                        <a:rPr lang="en-PH" dirty="0" smtClean="0"/>
+                        <a:rPr lang="en-PH" dirty="0"/>
                         <a:t>No</a:t>
                       </a:r>
                       <a:r>
-                        <a:rPr lang="en-PH" baseline="0" dirty="0" smtClean="0"/>
+                        <a:rPr lang="en-PH" baseline="0" dirty="0"/>
                         <a:t> of pins</a:t>
                       </a:r>
                       <a:endParaRPr lang="en-PH" dirty="0"/>
@@ -6939,14 +7054,18 @@
                     <a:lstStyle/>
                     <a:p>
                       <a:r>
-                        <a:rPr lang="en-PH" dirty="0" smtClean="0"/>
+                        <a:rPr lang="en-PH" dirty="0"/>
                         <a:t>40 Pin PDIP</a:t>
                       </a:r>
-                      <a:endParaRPr lang="en-PH" dirty="0"/>
                     </a:p>
                   </a:txBody>
                   <a:tcPr/>
                 </a:tc>
+                <a:extLst>
+                  <a:ext uri="{0D108BD9-81ED-4DB2-BD59-A6C34878D82A}">
+                    <a16:rowId xmlns:a16="http://schemas.microsoft.com/office/drawing/2014/main" val="10007"/>
+                  </a:ext>
+                </a:extLst>
               </a:tr>
               <a:tr h="370840">
                 <a:tc>
@@ -6955,10 +7074,9 @@
                     <a:lstStyle/>
                     <a:p>
                       <a:r>
-                        <a:rPr lang="en-PH" dirty="0" smtClean="0"/>
+                        <a:rPr lang="en-PH" dirty="0"/>
                         <a:t># instructions</a:t>
                       </a:r>
-                      <a:endParaRPr lang="en-PH" dirty="0"/>
                     </a:p>
                   </a:txBody>
                   <a:tcPr/>
@@ -6969,14 +7087,18 @@
                     <a:lstStyle/>
                     <a:p>
                       <a:r>
-                        <a:rPr lang="en-PH" dirty="0" smtClean="0"/>
+                        <a:rPr lang="en-PH" dirty="0"/>
                         <a:t>35</a:t>
                       </a:r>
-                      <a:endParaRPr lang="en-PH" dirty="0"/>
                     </a:p>
                   </a:txBody>
                   <a:tcPr/>
                 </a:tc>
+                <a:extLst>
+                  <a:ext uri="{0D108BD9-81ED-4DB2-BD59-A6C34878D82A}">
+                    <a16:rowId xmlns:a16="http://schemas.microsoft.com/office/drawing/2014/main" val="10008"/>
+                  </a:ext>
+                </a:extLst>
               </a:tr>
             </a:tbl>
           </a:graphicData>
@@ -6992,13 +7114,6 @@
   <p:clrMapOvr>
     <a:masterClrMapping/>
   </p:clrMapOvr>
-  <p:timing>
-    <p:tnLst>
-      <p:par>
-        <p:cTn id="1" dur="indefinite" restart="never" nodeType="tmRoot"/>
-      </p:par>
-    </p:tnLst>
-  </p:timing>
 </p:sld>
 </file>
 
@@ -7035,10 +7150,9 @@
           <a:lstStyle/>
           <a:p>
             <a:r>
-              <a:rPr lang="en-PH" dirty="0" smtClean="0"/>
+              <a:rPr lang="en-PH" dirty="0"/>
               <a:t>I/O Ports</a:t>
             </a:r>
-            <a:endParaRPr lang="en-PH" dirty="0"/>
           </a:p>
         </p:txBody>
       </p:sp>
@@ -7067,31 +7181,7 @@
             <a:pPr algn="just"/>
             <a:r>
               <a:rPr lang="en-PH" dirty="0"/>
-              <a:t>PORTB is an 8-bit wide, bidirectional port. The corresponding data direction register is TRISB. Setting </a:t>
-            </a:r>
-            <a:r>
-              <a:rPr lang="en-PH" dirty="0" smtClean="0"/>
-              <a:t>a TRISB </a:t>
-            </a:r>
-            <a:r>
-              <a:rPr lang="en-PH" dirty="0"/>
-              <a:t>bit (= 1) will make the corresponding PORTB pin an input (i.e., put the corresponding output driver </a:t>
-            </a:r>
-            <a:r>
-              <a:rPr lang="en-PH" dirty="0" smtClean="0"/>
-              <a:t>in a </a:t>
-            </a:r>
-            <a:r>
-              <a:rPr lang="en-PH" dirty="0"/>
-              <a:t>High-Impedance mode). Clearing a TRISB bit (= 0) will make the corresponding PORTB pin an output (i.e</a:t>
-            </a:r>
-            <a:r>
-              <a:rPr lang="en-PH" dirty="0" smtClean="0"/>
-              <a:t>.,  put </a:t>
-            </a:r>
-            <a:r>
-              <a:rPr lang="en-PH" dirty="0"/>
-              <a:t>the contents of the output latch on the selected pin).</a:t>
+              <a:t>PORTB is an 8-bit wide, bidirectional port. The corresponding data direction register is TRISB. Setting a TRISB bit (= 1) will make the corresponding PORTB pin an input (i.e., put the corresponding output driver in a High-Impedance mode). Clearing a TRISB bit (= 0) will make the corresponding PORTB pin an output (i.e.,  put the contents of the output latch on the selected pin).</a:t>
             </a:r>
           </a:p>
         </p:txBody>
@@ -7166,10 +7256,9 @@
           <a:lstStyle/>
           <a:p>
             <a:r>
-              <a:rPr lang="en-PH" dirty="0" smtClean="0"/>
+              <a:rPr lang="en-PH" dirty="0"/>
               <a:t>Setting and Clearing an Output Pin</a:t>
             </a:r>
-            <a:endParaRPr lang="en-PH" dirty="0"/>
           </a:p>
         </p:txBody>
       </p:sp>
@@ -7194,15 +7283,15 @@
           <a:lstStyle/>
           <a:p>
             <a:r>
-              <a:rPr lang="en-PH" dirty="0" smtClean="0"/>
+              <a:rPr lang="en-PH" dirty="0"/>
               <a:t>We Set and Clear a Pin using </a:t>
             </a:r>
             <a:r>
-              <a:rPr lang="en-PH" dirty="0" err="1" smtClean="0"/>
+              <a:rPr lang="en-PH" dirty="0" err="1"/>
               <a:t>PORTx</a:t>
             </a:r>
             <a:r>
-              <a:rPr lang="en-PH" dirty="0" smtClean="0"/>
+              <a:rPr lang="en-PH" dirty="0"/>
               <a:t> by Masking.</a:t>
             </a:r>
           </a:p>
@@ -7211,7 +7300,7 @@
           </a:p>
           <a:p>
             <a:r>
-              <a:rPr lang="en-PH" dirty="0" smtClean="0"/>
+              <a:rPr lang="en-PH" dirty="0"/>
               <a:t>Setting a Pin to High</a:t>
             </a:r>
           </a:p>
@@ -7219,14 +7308,13 @@
             <a:endParaRPr lang="en-PH" dirty="0"/>
           </a:p>
           <a:p>
-            <a:endParaRPr lang="en-PH" dirty="0" smtClean="0"/>
-          </a:p>
-          <a:p>
-            <a:r>
-              <a:rPr lang="en-PH" dirty="0" smtClean="0"/>
+            <a:endParaRPr lang="en-PH" dirty="0"/>
+          </a:p>
+          <a:p>
+            <a:r>
+              <a:rPr lang="en-PH" dirty="0"/>
               <a:t>Clearing a Pin to Low</a:t>
             </a:r>
-            <a:endParaRPr lang="en-PH" dirty="0"/>
           </a:p>
         </p:txBody>
       </p:sp>
@@ -7324,10 +7412,9 @@
           <a:lstStyle/>
           <a:p>
             <a:r>
-              <a:rPr lang="en-PH" dirty="0" smtClean="0"/>
+              <a:rPr lang="en-PH" dirty="0"/>
               <a:t>Pulse Width Modulator</a:t>
             </a:r>
-            <a:endParaRPr lang="en-PH" dirty="0"/>
           </a:p>
         </p:txBody>
       </p:sp>
@@ -7349,50 +7436,45 @@
           <a:lstStyle/>
           <a:p>
             <a:r>
-              <a:rPr lang="en-PH" dirty="0" smtClean="0"/>
-              <a:t>PWM is a part of the CCP module. PWM1 is under CCP1 (RC2 Pin 17) and PWM2 is under (RC1 Pin 16</a:t>
-            </a:r>
-            <a:r>
-              <a:rPr lang="en-PH" dirty="0" smtClean="0"/>
-              <a:t>) . PWM sets the Pulse width duration or Duty Cycle of a Square Wave.</a:t>
+              <a:rPr lang="en-PH" dirty="0"/>
+              <a:t>PWM is a part of the CCP module. PWM1 is under CCP1 (RC2 Pin 17) and PWM2 is under (RC1 Pin 16) . PWM sets the Pulse width duration or Duty Cycle of a Square Wave.</a:t>
             </a:r>
           </a:p>
           <a:p>
             <a:endParaRPr lang="en-PH" dirty="0"/>
           </a:p>
           <a:p>
-            <a:endParaRPr lang="en-PH" dirty="0" smtClean="0"/>
-          </a:p>
-          <a:p>
             <a:endParaRPr lang="en-PH" dirty="0"/>
           </a:p>
           <a:p>
-            <a:endParaRPr lang="en-PH" dirty="0" smtClean="0"/>
-          </a:p>
-          <a:p>
-            <a:r>
-              <a:rPr lang="en-PH" dirty="0" smtClean="0"/>
+            <a:endParaRPr lang="en-PH" dirty="0"/>
+          </a:p>
+          <a:p>
+            <a:endParaRPr lang="en-PH" dirty="0"/>
+          </a:p>
+          <a:p>
+            <a:r>
+              <a:rPr lang="en-PH" dirty="0"/>
               <a:t>Methods:</a:t>
             </a:r>
           </a:p>
           <a:p>
             <a:r>
-              <a:rPr lang="en-PH" dirty="0" smtClean="0"/>
+              <a:rPr lang="en-PH" dirty="0"/>
               <a:t>PWM1_Init(</a:t>
             </a:r>
             <a:r>
-              <a:rPr lang="en-PH" dirty="0" err="1" smtClean="0"/>
+              <a:rPr lang="en-PH" dirty="0" err="1"/>
               <a:t>freq</a:t>
             </a:r>
             <a:r>
-              <a:rPr lang="en-PH" dirty="0" smtClean="0"/>
+              <a:rPr lang="en-PH" dirty="0"/>
               <a:t>) </a:t>
             </a:r>
-            <a:endParaRPr lang="en-PH" dirty="0"/>
-          </a:p>
-          <a:p>
-            <a:r>
-              <a:rPr lang="en-PH" sz="2100" dirty="0" smtClean="0">
+          </a:p>
+          <a:p>
+            <a:r>
+              <a:rPr lang="en-PH" sz="2100" dirty="0">
                 <a:solidFill>
                   <a:schemeClr val="tx1"/>
                 </a:solidFill>
@@ -7401,26 +7483,13 @@
               <a:t>PWM1_Set_Duty</a:t>
             </a:r>
             <a:r>
-              <a:rPr lang="en-PH" sz="2100" dirty="0" smtClean="0">
-                <a:solidFill>
-                  <a:schemeClr val="tx1"/>
-                </a:solidFill>
-              </a:rPr>
-              <a:t>(duty</a:t>
-            </a:r>
-            <a:r>
               <a:rPr lang="en-PH" sz="2100" dirty="0">
                 <a:solidFill>
                   <a:schemeClr val="tx1"/>
                 </a:solidFill>
               </a:rPr>
-              <a:t>) </a:t>
-            </a:r>
-            <a:endParaRPr lang="en-PH" sz="2100" dirty="0">
-              <a:solidFill>
-                <a:schemeClr val="tx1"/>
-              </a:solidFill>
-            </a:endParaRPr>
+              <a:t>(duty) </a:t>
+            </a:r>
           </a:p>
           <a:p>
             <a:r>
@@ -7440,11 +7509,6 @@
               </a:rPr>
               <a:t>() </a:t>
             </a:r>
-            <a:endParaRPr lang="en-PH" sz="2100" dirty="0">
-              <a:solidFill>
-                <a:schemeClr val="tx1"/>
-              </a:solidFill>
-            </a:endParaRPr>
           </a:p>
           <a:p>
             <a:r>
@@ -7464,14 +7528,9 @@
               </a:rPr>
               <a:t>()</a:t>
             </a:r>
-            <a:endParaRPr lang="en-PH" sz="2100" dirty="0">
-              <a:solidFill>
-                <a:schemeClr val="tx1"/>
-              </a:solidFill>
-            </a:endParaRPr>
-          </a:p>
-          <a:p>
-            <a:endParaRPr lang="en-PH" dirty="0" smtClean="0"/>
+          </a:p>
+          <a:p>
+            <a:endParaRPr lang="en-PH" dirty="0"/>
           </a:p>
           <a:p>
             <a:endParaRPr lang="en-PH" dirty="0"/>
@@ -8136,10 +8195,9 @@
           <a:lstStyle/>
           <a:p>
             <a:r>
-              <a:rPr lang="en-PH" dirty="0" smtClean="0"/>
+              <a:rPr lang="en-PH" dirty="0"/>
               <a:t>Modules</a:t>
             </a:r>
-            <a:endParaRPr lang="en-PH" dirty="0"/>
           </a:p>
         </p:txBody>
       </p:sp>
@@ -8166,29 +8224,29 @@
           <a:lstStyle/>
           <a:p>
             <a:r>
-              <a:rPr lang="en-PH" dirty="0" smtClean="0"/>
+              <a:rPr lang="en-PH" dirty="0"/>
               <a:t>The </a:t>
             </a:r>
             <a:r>
-              <a:rPr lang="en-PH" dirty="0" err="1" smtClean="0"/>
+              <a:rPr lang="en-PH" dirty="0" err="1"/>
               <a:t>Mobot</a:t>
             </a:r>
             <a:r>
-              <a:rPr lang="en-PH" dirty="0" smtClean="0"/>
+              <a:rPr lang="en-PH" dirty="0"/>
               <a:t> is implemented in Finite State Machine. </a:t>
             </a:r>
           </a:p>
           <a:p>
             <a:r>
-              <a:rPr lang="en-PH" dirty="0" smtClean="0"/>
+              <a:rPr lang="en-PH" dirty="0"/>
               <a:t>Two Managers will be Implemented to modularize the </a:t>
             </a:r>
             <a:r>
-              <a:rPr lang="en-PH" dirty="0" err="1" smtClean="0"/>
+              <a:rPr lang="en-PH" dirty="0" err="1"/>
               <a:t>Mobot</a:t>
             </a:r>
             <a:r>
-              <a:rPr lang="en-PH" dirty="0" smtClean="0"/>
+              <a:rPr lang="en-PH" dirty="0"/>
               <a:t>.</a:t>
             </a:r>
           </a:p>
@@ -8198,7 +8256,7 @@
               <a:buChar char="•"/>
             </a:pPr>
             <a:r>
-              <a:rPr lang="en-PH" dirty="0" smtClean="0"/>
+              <a:rPr lang="en-PH" dirty="0"/>
               <a:t> Input Manager</a:t>
             </a:r>
           </a:p>
@@ -8208,15 +8266,15 @@
               <a:buChar char="•"/>
             </a:pPr>
             <a:r>
-              <a:rPr lang="en-PH" dirty="0" smtClean="0"/>
+              <a:rPr lang="en-PH" dirty="0"/>
               <a:t>Manages the input sensor to set </a:t>
             </a:r>
             <a:r>
-              <a:rPr lang="en-PH" dirty="0" err="1" smtClean="0"/>
+              <a:rPr lang="en-PH" dirty="0" err="1"/>
               <a:t>Mobot</a:t>
             </a:r>
             <a:r>
-              <a:rPr lang="en-PH" dirty="0" smtClean="0"/>
+              <a:rPr lang="en-PH" dirty="0"/>
               <a:t> Input Sensing State.</a:t>
             </a:r>
           </a:p>
@@ -8226,7 +8284,7 @@
               <a:buChar char="•"/>
             </a:pPr>
             <a:r>
-              <a:rPr lang="en-PH" dirty="0" smtClean="0"/>
+              <a:rPr lang="en-PH" dirty="0"/>
               <a:t>Input: Sensor1 and Sensor2 Logic. (High - Object Detected, Low – No Object Detected).</a:t>
             </a:r>
           </a:p>
@@ -8236,7 +8294,7 @@
               <a:buChar char="•"/>
             </a:pPr>
             <a:r>
-              <a:rPr lang="en-PH" dirty="0" smtClean="0"/>
+              <a:rPr lang="en-PH" dirty="0"/>
               <a:t>Output: Input Sensing State</a:t>
             </a:r>
           </a:p>
@@ -8246,7 +8304,7 @@
               <a:buChar char="•"/>
             </a:pPr>
             <a:r>
-              <a:rPr lang="en-PH" dirty="0" smtClean="0"/>
+              <a:rPr lang="en-PH" dirty="0"/>
               <a:t> Motor Manager</a:t>
             </a:r>
           </a:p>
@@ -8256,7 +8314,7 @@
               <a:buChar char="•"/>
             </a:pPr>
             <a:r>
-              <a:rPr lang="en-PH" dirty="0" smtClean="0"/>
+              <a:rPr lang="en-PH" dirty="0"/>
               <a:t>Manages the control of Motor Drive. </a:t>
             </a:r>
           </a:p>
@@ -8266,7 +8324,7 @@
               <a:buChar char="•"/>
             </a:pPr>
             <a:r>
-              <a:rPr lang="en-PH" dirty="0" smtClean="0"/>
+              <a:rPr lang="en-PH" dirty="0"/>
               <a:t>Set and Clear Motor A and Motor B Direction(CW/CCW)</a:t>
             </a:r>
           </a:p>
@@ -8276,7 +8334,7 @@
               <a:buChar char="•"/>
             </a:pPr>
             <a:r>
-              <a:rPr lang="en-PH" dirty="0" smtClean="0"/>
+              <a:rPr lang="en-PH" dirty="0"/>
               <a:t>Set PWM control for Motor Speed. (DC= 0%- OFF, DC = 20% - SLOW Movement, DC – 50% -Backward Movement, and 100% - Fast movement for Forward)</a:t>
             </a:r>
           </a:p>
@@ -8286,7 +8344,7 @@
               <a:buChar char="•"/>
             </a:pPr>
             <a:r>
-              <a:rPr lang="en-PH" dirty="0" smtClean="0"/>
+              <a:rPr lang="en-PH" dirty="0"/>
               <a:t>Input: Input Manager Sensing State.</a:t>
             </a:r>
           </a:p>
@@ -8296,7 +8354,7 @@
               <a:buChar char="•"/>
             </a:pPr>
             <a:r>
-              <a:rPr lang="en-PH" dirty="0" smtClean="0"/>
+              <a:rPr lang="en-PH" dirty="0"/>
               <a:t>Output: Motor A and Motor B Direction and PWM control for Motor Speed.</a:t>
             </a:r>
           </a:p>
@@ -8354,10 +8412,9 @@
           <a:lstStyle/>
           <a:p>
             <a:r>
-              <a:rPr lang="en-PH" dirty="0" smtClean="0"/>
+              <a:rPr lang="en-PH" dirty="0"/>
               <a:t>Input Manager State Table</a:t>
             </a:r>
-            <a:endParaRPr lang="en-PH" dirty="0"/>
           </a:p>
         </p:txBody>
       </p:sp>
@@ -8387,13 +8444,55 @@
                 <a:tableStyleId>{5C22544A-7EE6-4342-B048-85BDC9FD1C3A}</a:tableStyleId>
               </a:tblPr>
               <a:tblGrid>
-                <a:gridCol w="1499200"/>
-                <a:gridCol w="891834"/>
-                <a:gridCol w="1529264"/>
-                <a:gridCol w="2076502"/>
-                <a:gridCol w="1499200"/>
-                <a:gridCol w="1499200"/>
-                <a:gridCol w="1499200"/>
+                <a:gridCol w="1499200">
+                  <a:extLst>
+                    <a:ext uri="{9D8B030D-6E8A-4147-A177-3AD203B41FA5}">
+                      <a16:colId xmlns:a16="http://schemas.microsoft.com/office/drawing/2014/main" val="20000"/>
+                    </a:ext>
+                  </a:extLst>
+                </a:gridCol>
+                <a:gridCol w="891834">
+                  <a:extLst>
+                    <a:ext uri="{9D8B030D-6E8A-4147-A177-3AD203B41FA5}">
+                      <a16:colId xmlns:a16="http://schemas.microsoft.com/office/drawing/2014/main" val="20001"/>
+                    </a:ext>
+                  </a:extLst>
+                </a:gridCol>
+                <a:gridCol w="1529264">
+                  <a:extLst>
+                    <a:ext uri="{9D8B030D-6E8A-4147-A177-3AD203B41FA5}">
+                      <a16:colId xmlns:a16="http://schemas.microsoft.com/office/drawing/2014/main" val="20002"/>
+                    </a:ext>
+                  </a:extLst>
+                </a:gridCol>
+                <a:gridCol w="2076502">
+                  <a:extLst>
+                    <a:ext uri="{9D8B030D-6E8A-4147-A177-3AD203B41FA5}">
+                      <a16:colId xmlns:a16="http://schemas.microsoft.com/office/drawing/2014/main" val="20003"/>
+                    </a:ext>
+                  </a:extLst>
+                </a:gridCol>
+                <a:gridCol w="1499200">
+                  <a:extLst>
+                    <a:ext uri="{9D8B030D-6E8A-4147-A177-3AD203B41FA5}">
+                      <a16:colId xmlns:a16="http://schemas.microsoft.com/office/drawing/2014/main" val="20004"/>
+                    </a:ext>
+                  </a:extLst>
+                </a:gridCol>
+                <a:gridCol w="1499200">
+                  <a:extLst>
+                    <a:ext uri="{9D8B030D-6E8A-4147-A177-3AD203B41FA5}">
+                      <a16:colId xmlns:a16="http://schemas.microsoft.com/office/drawing/2014/main" val="20005"/>
+                    </a:ext>
+                  </a:extLst>
+                </a:gridCol>
+                <a:gridCol w="1499200">
+                  <a:extLst>
+                    <a:ext uri="{9D8B030D-6E8A-4147-A177-3AD203B41FA5}">
+                      <a16:colId xmlns:a16="http://schemas.microsoft.com/office/drawing/2014/main" val="20006"/>
+                    </a:ext>
+                  </a:extLst>
+                </a:gridCol>
               </a:tblGrid>
               <a:tr h="502730">
                 <a:tc>
@@ -8557,6 +8656,11 @@
                   </a:txBody>
                   <a:tcPr marL="9525" marR="9525" marT="9525" marB="0" anchor="ctr"/>
                 </a:tc>
+                <a:extLst>
+                  <a:ext uri="{0D108BD9-81ED-4DB2-BD59-A6C34878D82A}">
+                    <a16:rowId xmlns:a16="http://schemas.microsoft.com/office/drawing/2014/main" val="10000"/>
+                  </a:ext>
+                </a:extLst>
               </a:tr>
               <a:tr h="502730">
                 <a:tc>
@@ -8720,6 +8824,11 @@
                   </a:txBody>
                   <a:tcPr marL="9525" marR="9525" marT="9525" marB="0" anchor="b"/>
                 </a:tc>
+                <a:extLst>
+                  <a:ext uri="{0D108BD9-81ED-4DB2-BD59-A6C34878D82A}">
+                    <a16:rowId xmlns:a16="http://schemas.microsoft.com/office/drawing/2014/main" val="10001"/>
+                  </a:ext>
+                </a:extLst>
               </a:tr>
               <a:tr h="502730">
                 <a:tc>
@@ -8883,6 +8992,11 @@
                   </a:txBody>
                   <a:tcPr marL="9525" marR="9525" marT="9525" marB="0" anchor="b"/>
                 </a:tc>
+                <a:extLst>
+                  <a:ext uri="{0D108BD9-81ED-4DB2-BD59-A6C34878D82A}">
+                    <a16:rowId xmlns:a16="http://schemas.microsoft.com/office/drawing/2014/main" val="10002"/>
+                  </a:ext>
+                </a:extLst>
               </a:tr>
               <a:tr h="502730">
                 <a:tc>
@@ -9046,6 +9160,11 @@
                   </a:txBody>
                   <a:tcPr marL="9525" marR="9525" marT="9525" marB="0" anchor="b"/>
                 </a:tc>
+                <a:extLst>
+                  <a:ext uri="{0D108BD9-81ED-4DB2-BD59-A6C34878D82A}">
+                    <a16:rowId xmlns:a16="http://schemas.microsoft.com/office/drawing/2014/main" val="10003"/>
+                  </a:ext>
+                </a:extLst>
               </a:tr>
               <a:tr h="502730">
                 <a:tc>
@@ -9203,6 +9322,11 @@
                   </a:txBody>
                   <a:tcPr marL="9525" marR="9525" marT="9525" marB="0" anchor="b"/>
                 </a:tc>
+                <a:extLst>
+                  <a:ext uri="{0D108BD9-81ED-4DB2-BD59-A6C34878D82A}">
+                    <a16:rowId xmlns:a16="http://schemas.microsoft.com/office/drawing/2014/main" val="10004"/>
+                  </a:ext>
+                </a:extLst>
               </a:tr>
               <a:tr h="502730">
                 <a:tc>
@@ -9366,6 +9490,11 @@
                   </a:txBody>
                   <a:tcPr marL="9525" marR="9525" marT="9525" marB="0" anchor="b"/>
                 </a:tc>
+                <a:extLst>
+                  <a:ext uri="{0D108BD9-81ED-4DB2-BD59-A6C34878D82A}">
+                    <a16:rowId xmlns:a16="http://schemas.microsoft.com/office/drawing/2014/main" val="10005"/>
+                  </a:ext>
+                </a:extLst>
               </a:tr>
               <a:tr h="502730">
                 <a:tc>
@@ -9438,6 +9567,11 @@
                   </a:txBody>
                   <a:tcPr/>
                 </a:tc>
+                <a:extLst>
+                  <a:ext uri="{0D108BD9-81ED-4DB2-BD59-A6C34878D82A}">
+                    <a16:rowId xmlns:a16="http://schemas.microsoft.com/office/drawing/2014/main" val="10006"/>
+                  </a:ext>
+                </a:extLst>
               </a:tr>
             </a:tbl>
           </a:graphicData>
@@ -9489,10 +9623,9 @@
           <a:lstStyle/>
           <a:p>
             <a:r>
-              <a:rPr lang="en-PH" dirty="0" smtClean="0"/>
+              <a:rPr lang="en-PH" dirty="0"/>
               <a:t>Input Manager State Machine</a:t>
             </a:r>
-            <a:endParaRPr lang="en-PH" dirty="0"/>
           </a:p>
         </p:txBody>
       </p:sp>
